--- a/Capstone02-Top-50-Beer.pptx
+++ b/Capstone02-Top-50-Beer.pptx
@@ -5,7 +5,7 @@
     <p:sldMasterId id="2147483840" r:id="rId1"/>
   </p:sldMasterIdLst>
   <p:notesMasterIdLst>
-    <p:notesMasterId r:id="rId17"/>
+    <p:notesMasterId r:id="rId15"/>
   </p:notesMasterIdLst>
   <p:sldIdLst>
     <p:sldId id="256" r:id="rId2"/>
@@ -20,9 +20,7 @@
     <p:sldId id="264" r:id="rId11"/>
     <p:sldId id="270" r:id="rId12"/>
     <p:sldId id="266" r:id="rId13"/>
-    <p:sldId id="267" r:id="rId14"/>
-    <p:sldId id="268" r:id="rId15"/>
-    <p:sldId id="269" r:id="rId16"/>
+    <p:sldId id="271" r:id="rId14"/>
   </p:sldIdLst>
   <p:sldSz cx="12192000" cy="6858000"/>
   <p:notesSz cx="6858000" cy="9144000"/>
@@ -121,6 +119,11 @@
       </a:defRPr>
     </a:lvl9pPr>
   </p:defaultTextStyle>
+  <p:extLst>
+    <p:ext uri="{EFAFB233-063F-42B5-8137-9DF3F51BA10A}">
+      <p15:sldGuideLst xmlns:p15="http://schemas.microsoft.com/office/powerpoint/2012/main"/>
+    </p:ext>
+  </p:extLst>
 </p:presentation>
 </file>
 
@@ -206,7 +209,7 @@
           <a:p>
             <a:fld id="{97932981-74CA-43A4-BC4D-DE970AFADEDA}" type="datetimeFigureOut">
               <a:rPr lang="en-US" smtClean="0"/>
-              <a:t>3/9/2023</a:t>
+              <a:t>3/10/2023</a:t>
             </a:fld>
             <a:endParaRPr lang="en-US"/>
           </a:p>
@@ -566,98 +569,6 @@
 </p:notes>
 </file>
 
-<file path=ppt/notesSlides/notesSlide10.xml><?xml version="1.0" encoding="utf-8"?>
-<p:notes xmlns:a="http://schemas.openxmlformats.org/drawingml/2006/main" xmlns:r="http://schemas.openxmlformats.org/officeDocument/2006/relationships" xmlns:p="http://schemas.openxmlformats.org/presentationml/2006/main">
-  <p:cSld>
-    <p:spTree>
-      <p:nvGrpSpPr>
-        <p:cNvPr id="1" name=""/>
-        <p:cNvGrpSpPr/>
-        <p:nvPr/>
-      </p:nvGrpSpPr>
-      <p:grpSpPr>
-        <a:xfrm>
-          <a:off x="0" y="0"/>
-          <a:ext cx="0" cy="0"/>
-          <a:chOff x="0" y="0"/>
-          <a:chExt cx="0" cy="0"/>
-        </a:xfrm>
-      </p:grpSpPr>
-      <p:sp>
-        <p:nvSpPr>
-          <p:cNvPr id="2" name="Slide Image Placeholder 1"/>
-          <p:cNvSpPr>
-            <a:spLocks noGrp="1" noRot="1" noChangeAspect="1"/>
-          </p:cNvSpPr>
-          <p:nvPr>
-            <p:ph type="sldImg"/>
-          </p:nvPr>
-        </p:nvSpPr>
-        <p:spPr/>
-      </p:sp>
-      <p:sp>
-        <p:nvSpPr>
-          <p:cNvPr id="3" name="Notes Placeholder 2"/>
-          <p:cNvSpPr>
-            <a:spLocks noGrp="1"/>
-          </p:cNvSpPr>
-          <p:nvPr>
-            <p:ph type="body" idx="1"/>
-          </p:nvPr>
-        </p:nvSpPr>
-        <p:spPr/>
-        <p:txBody>
-          <a:bodyPr/>
-          <a:lstStyle/>
-          <a:p>
-            <a:r>
-              <a:rPr lang="en-US" dirty="0" smtClean="0"/>
-              <a:t>Instead of drop</a:t>
-            </a:r>
-            <a:r>
-              <a:rPr lang="en-US" baseline="0" dirty="0" smtClean="0"/>
-              <a:t> table, I create table to prevent </a:t>
-            </a:r>
-            <a:endParaRPr lang="en-US" dirty="0"/>
-          </a:p>
-        </p:txBody>
-      </p:sp>
-      <p:sp>
-        <p:nvSpPr>
-          <p:cNvPr id="4" name="Slide Number Placeholder 3"/>
-          <p:cNvSpPr>
-            <a:spLocks noGrp="1"/>
-          </p:cNvSpPr>
-          <p:nvPr>
-            <p:ph type="sldNum" sz="quarter" idx="10"/>
-          </p:nvPr>
-        </p:nvSpPr>
-        <p:spPr/>
-        <p:txBody>
-          <a:bodyPr/>
-          <a:lstStyle/>
-          <a:p>
-            <a:fld id="{579E7438-A39E-4277-BEA6-E91D8EFF81E8}" type="slidenum">
-              <a:rPr lang="en-US" smtClean="0"/>
-              <a:t>15</a:t>
-            </a:fld>
-            <a:endParaRPr lang="en-US"/>
-          </a:p>
-        </p:txBody>
-      </p:sp>
-    </p:spTree>
-    <p:extLst>
-      <p:ext uri="{BB962C8B-B14F-4D97-AF65-F5344CB8AC3E}">
-        <p14:creationId xmlns:p14="http://schemas.microsoft.com/office/powerpoint/2010/main" val="1226570634"/>
-      </p:ext>
-    </p:extLst>
-  </p:cSld>
-  <p:clrMapOvr>
-    <a:masterClrMapping/>
-  </p:clrMapOvr>
-</p:notes>
-</file>
-
 <file path=ppt/notesSlides/notesSlide2.xml><?xml version="1.0" encoding="utf-8"?>
 <p:notes xmlns:a="http://schemas.openxmlformats.org/drawingml/2006/main" xmlns:r="http://schemas.openxmlformats.org/officeDocument/2006/relationships" xmlns:p="http://schemas.openxmlformats.org/presentationml/2006/main">
   <p:cSld>
@@ -1292,99 +1203,7 @@
     </p:spTree>
     <p:extLst>
       <p:ext uri="{BB962C8B-B14F-4D97-AF65-F5344CB8AC3E}">
-        <p14:creationId xmlns:p14="http://schemas.microsoft.com/office/powerpoint/2010/main" val="2061066104"/>
-      </p:ext>
-    </p:extLst>
-  </p:cSld>
-  <p:clrMapOvr>
-    <a:masterClrMapping/>
-  </p:clrMapOvr>
-</p:notes>
-</file>
-
-<file path=ppt/notesSlides/notesSlide9.xml><?xml version="1.0" encoding="utf-8"?>
-<p:notes xmlns:a="http://schemas.openxmlformats.org/drawingml/2006/main" xmlns:r="http://schemas.openxmlformats.org/officeDocument/2006/relationships" xmlns:p="http://schemas.openxmlformats.org/presentationml/2006/main">
-  <p:cSld>
-    <p:spTree>
-      <p:nvGrpSpPr>
-        <p:cNvPr id="1" name=""/>
-        <p:cNvGrpSpPr/>
-        <p:nvPr/>
-      </p:nvGrpSpPr>
-      <p:grpSpPr>
-        <a:xfrm>
-          <a:off x="0" y="0"/>
-          <a:ext cx="0" cy="0"/>
-          <a:chOff x="0" y="0"/>
-          <a:chExt cx="0" cy="0"/>
-        </a:xfrm>
-      </p:grpSpPr>
-      <p:sp>
-        <p:nvSpPr>
-          <p:cNvPr id="2" name="Slide Image Placeholder 1"/>
-          <p:cNvSpPr>
-            <a:spLocks noGrp="1" noRot="1" noChangeAspect="1"/>
-          </p:cNvSpPr>
-          <p:nvPr>
-            <p:ph type="sldImg"/>
-          </p:nvPr>
-        </p:nvSpPr>
-        <p:spPr/>
-      </p:sp>
-      <p:sp>
-        <p:nvSpPr>
-          <p:cNvPr id="3" name="Notes Placeholder 2"/>
-          <p:cNvSpPr>
-            <a:spLocks noGrp="1"/>
-          </p:cNvSpPr>
-          <p:nvPr>
-            <p:ph type="body" idx="1"/>
-          </p:nvPr>
-        </p:nvSpPr>
-        <p:spPr/>
-        <p:txBody>
-          <a:bodyPr/>
-          <a:lstStyle/>
-          <a:p>
-            <a:r>
-              <a:rPr lang="en-US" dirty="0" smtClean="0"/>
-              <a:t>Instead of drop</a:t>
-            </a:r>
-            <a:r>
-              <a:rPr lang="en-US" baseline="0" dirty="0" smtClean="0"/>
-              <a:t> table, I create table to prevent </a:t>
-            </a:r>
-            <a:endParaRPr lang="en-US" dirty="0"/>
-          </a:p>
-        </p:txBody>
-      </p:sp>
-      <p:sp>
-        <p:nvSpPr>
-          <p:cNvPr id="4" name="Slide Number Placeholder 3"/>
-          <p:cNvSpPr>
-            <a:spLocks noGrp="1"/>
-          </p:cNvSpPr>
-          <p:nvPr>
-            <p:ph type="sldNum" sz="quarter" idx="10"/>
-          </p:nvPr>
-        </p:nvSpPr>
-        <p:spPr/>
-        <p:txBody>
-          <a:bodyPr/>
-          <a:lstStyle/>
-          <a:p>
-            <a:fld id="{579E7438-A39E-4277-BEA6-E91D8EFF81E8}" type="slidenum">
-              <a:rPr lang="en-US" smtClean="0"/>
-              <a:t>14</a:t>
-            </a:fld>
-            <a:endParaRPr lang="en-US"/>
-          </a:p>
-        </p:txBody>
-      </p:sp>
-    </p:spTree>
-    <p:extLst>
-      <p:ext uri="{BB962C8B-B14F-4D97-AF65-F5344CB8AC3E}">
-        <p14:creationId xmlns:p14="http://schemas.microsoft.com/office/powerpoint/2010/main" val="3420340877"/>
+        <p14:creationId xmlns:p14="http://schemas.microsoft.com/office/powerpoint/2010/main" val="1821528102"/>
       </p:ext>
     </p:extLst>
   </p:cSld>
@@ -1797,7 +1616,7 @@
           <a:p>
             <a:fld id="{8B4AF60A-713C-41BA-9788-4C493DDC0A9C}" type="datetimeFigureOut">
               <a:rPr lang="en-US" dirty="0"/>
-              <a:t>3/9/2023</a:t>
+              <a:t>3/10/2023</a:t>
             </a:fld>
             <a:endParaRPr lang="en-US" dirty="0"/>
           </a:p>
@@ -1972,7 +1791,7 @@
           <a:p>
             <a:fld id="{7E5E0FA7-C445-42F7-AF66-A4F5A6FC8A9C}" type="datetimeFigureOut">
               <a:rPr lang="en-US" dirty="0"/>
-              <a:t>3/9/2023</a:t>
+              <a:t>3/10/2023</a:t>
             </a:fld>
             <a:endParaRPr lang="en-US" dirty="0"/>
           </a:p>
@@ -2147,7 +1966,7 @@
           <a:p>
             <a:fld id="{585AC5C5-1A57-4420-8AFB-CE41693A794B}" type="datetimeFigureOut">
               <a:rPr lang="en-US" dirty="0"/>
-              <a:t>3/9/2023</a:t>
+              <a:t>3/10/2023</a:t>
             </a:fld>
             <a:endParaRPr lang="en-US" dirty="0"/>
           </a:p>
@@ -2312,7 +2131,7 @@
           <a:p>
             <a:fld id="{8A4C08AF-84E6-4329-8E67-FEA434B47075}" type="datetimeFigureOut">
               <a:rPr lang="en-US" dirty="0"/>
-              <a:t>3/9/2023</a:t>
+              <a:t>3/10/2023</a:t>
             </a:fld>
             <a:endParaRPr lang="en-US" dirty="0"/>
           </a:p>
@@ -2620,7 +2439,7 @@
           <a:p>
             <a:fld id="{4F6EE328-6AFF-436B-881F-213D56084544}" type="datetimeFigureOut">
               <a:rPr lang="en-US" dirty="0"/>
-              <a:t>3/9/2023</a:t>
+              <a:t>3/10/2023</a:t>
             </a:fld>
             <a:endParaRPr lang="en-US" dirty="0"/>
           </a:p>
@@ -3002,7 +2821,7 @@
           <a:p>
             <a:fld id="{AE02069A-09EE-4C7C-86A4-2314A404921D}" type="datetimeFigureOut">
               <a:rPr lang="en-US" dirty="0"/>
-              <a:t>3/9/2023</a:t>
+              <a:t>3/10/2023</a:t>
             </a:fld>
             <a:endParaRPr lang="en-US" dirty="0"/>
           </a:p>
@@ -3431,7 +3250,7 @@
           <a:p>
             <a:fld id="{D56EE7F1-171E-411F-96CA-A251A21496E7}" type="datetimeFigureOut">
               <a:rPr lang="en-US" dirty="0"/>
-              <a:t>3/9/2023</a:t>
+              <a:t>3/10/2023</a:t>
             </a:fld>
             <a:endParaRPr lang="en-US" dirty="0"/>
           </a:p>
@@ -3544,7 +3363,7 @@
           <a:p>
             <a:fld id="{8872C98D-A273-4547-9B92-97D7769F71A6}" type="datetimeFigureOut">
               <a:rPr lang="en-US" dirty="0"/>
-              <a:t>3/9/2023</a:t>
+              <a:t>3/10/2023</a:t>
             </a:fld>
             <a:endParaRPr lang="en-US" dirty="0"/>
           </a:p>
@@ -3634,7 +3453,7 @@
           <a:p>
             <a:fld id="{BAB7CD67-0644-446C-B2AD-1C09BF34F286}" type="datetimeFigureOut">
               <a:rPr lang="en-US" dirty="0"/>
-              <a:t>3/9/2023</a:t>
+              <a:t>3/10/2023</a:t>
             </a:fld>
             <a:endParaRPr lang="en-US" dirty="0"/>
           </a:p>
@@ -3979,7 +3798,7 @@
           <a:p>
             <a:fld id="{81480828-6983-48AD-9E27-CBD3696F837E}" type="datetimeFigureOut">
               <a:rPr lang="en-US" dirty="0"/>
-              <a:t>3/9/2023</a:t>
+              <a:t>3/10/2023</a:t>
             </a:fld>
             <a:endParaRPr lang="en-US" dirty="0"/>
           </a:p>
@@ -4399,7 +4218,7 @@
           <a:p>
             <a:fld id="{2C5EFB91-0324-450E-B17F-36DC0ECCE413}" type="datetimeFigureOut">
               <a:rPr lang="en-US" dirty="0"/>
-              <a:t>3/9/2023</a:t>
+              <a:t>3/10/2023</a:t>
             </a:fld>
             <a:endParaRPr lang="en-US" dirty="0"/>
           </a:p>
@@ -4675,7 +4494,7 @@
           <a:p>
             <a:fld id="{52E37674-C1BA-4107-9B06-6D4CAC3A3DF5}" type="datetimeFigureOut">
               <a:rPr lang="en-US" dirty="0"/>
-              <a:t>3/9/2023</a:t>
+              <a:t>3/10/2023</a:t>
             </a:fld>
             <a:endParaRPr lang="en-US" dirty="0"/>
           </a:p>
@@ -6002,7 +5821,7 @@
       </p:pic>
       <p:sp>
         <p:nvSpPr>
-          <p:cNvPr id="2" name="Title 1"/>
+          <p:cNvPr id="6" name="Title 1"/>
           <p:cNvSpPr>
             <a:spLocks noGrp="1"/>
           </p:cNvSpPr>
@@ -6012,17 +5831,15 @@
         </p:nvSpPr>
         <p:spPr>
           <a:xfrm>
-            <a:off x="1066800" y="0"/>
-            <a:ext cx="10058400" cy="999744"/>
+            <a:off x="1069848" y="484632"/>
+            <a:ext cx="10058400" cy="1609344"/>
           </a:xfrm>
         </p:spPr>
         <p:txBody>
-          <a:bodyPr>
-            <a:normAutofit/>
-          </a:bodyPr>
+          <a:bodyPr/>
           <a:lstStyle/>
           <a:p>
-            <a:pPr lvl="0" algn="ctr">
+            <a:pPr lvl="0">
               <a:spcBef>
                 <a:spcPts val="1200"/>
               </a:spcBef>
@@ -6037,7 +5854,7 @@
                   <a:schemeClr val="tx1"/>
                 </a:solidFill>
               </a:rPr>
-              <a:t>Dashboard</a:t>
+              <a:t>Insight</a:t>
             </a:r>
             <a:endParaRPr lang="en-US" dirty="0">
               <a:solidFill>
@@ -6047,367 +5864,141 @@
           </a:p>
         </p:txBody>
       </p:sp>
-      <p:pic>
-        <p:nvPicPr>
-          <p:cNvPr id="4" name="Picture 3"/>
-          <p:cNvPicPr>
-            <a:picLocks noChangeAspect="1"/>
-          </p:cNvPicPr>
-          <p:nvPr/>
-        </p:nvPicPr>
-        <p:blipFill rotWithShape="1">
-          <a:blip r:embed="rId5">
-            <a:extLst>
-              <a:ext uri="{28A0092B-C50C-407E-A947-70E740481C1C}">
-                <a14:useLocalDpi xmlns:a14="http://schemas.microsoft.com/office/drawing/2010/main" val="0"/>
-              </a:ext>
-            </a:extLst>
-          </a:blip>
-          <a:srcRect l="1" r="49348" b="59362"/>
-          <a:stretch/>
-        </p:blipFill>
+      <p:sp>
+        <p:nvSpPr>
+          <p:cNvPr id="8" name="Content Placeholder 2"/>
+          <p:cNvSpPr>
+            <a:spLocks noGrp="1"/>
+          </p:cNvSpPr>
+          <p:nvPr>
+            <p:ph idx="1"/>
+          </p:nvPr>
+        </p:nvSpPr>
         <p:spPr>
           <a:xfrm>
-            <a:off x="2708009" y="1125006"/>
-            <a:ext cx="6771808" cy="4951414"/>
+            <a:off x="1069848" y="1828800"/>
+            <a:ext cx="10058400" cy="2584704"/>
           </a:xfrm>
-          <a:prstGeom prst="rect">
-            <a:avLst/>
-          </a:prstGeom>
         </p:spPr>
-      </p:pic>
+        <p:txBody>
+          <a:bodyPr/>
+          <a:lstStyle/>
+          <a:p>
+            <a:pPr marL="0" indent="0">
+              <a:buNone/>
+            </a:pPr>
+            <a:endParaRPr lang="en-US" sz="1600" i="1" dirty="0"/>
+          </a:p>
+          <a:p>
+            <a:pPr fontAlgn="base">
+              <a:buClr>
+                <a:schemeClr val="tx1"/>
+              </a:buClr>
+              <a:buFont typeface="Wingdings" panose="05000000000000000000" pitchFamily="2" charset="2"/>
+              <a:buChar char="q"/>
+            </a:pPr>
+            <a:r>
+              <a:rPr lang="en-US" sz="1600" i="1" dirty="0" smtClean="0"/>
+              <a:t> </a:t>
+            </a:r>
+            <a:r>
+              <a:rPr lang="en-US" dirty="0"/>
+              <a:t>Most popular Beer Style is IPA New England</a:t>
+            </a:r>
+          </a:p>
+          <a:p>
+            <a:pPr fontAlgn="base">
+              <a:buClr>
+                <a:schemeClr val="tx1"/>
+              </a:buClr>
+              <a:buFont typeface="Wingdings" panose="05000000000000000000" pitchFamily="2" charset="2"/>
+              <a:buChar char="q"/>
+            </a:pPr>
+            <a:r>
+              <a:rPr lang="en-US" dirty="0" smtClean="0"/>
+              <a:t> Most </a:t>
+            </a:r>
+            <a:r>
+              <a:rPr lang="en-US" dirty="0"/>
+              <a:t>popular Brewery based on top 50 Beer is Tree House Brewing Company</a:t>
+            </a:r>
+          </a:p>
+          <a:p>
+            <a:pPr fontAlgn="base">
+              <a:buClr>
+                <a:schemeClr val="tx1"/>
+              </a:buClr>
+              <a:buFont typeface="Wingdings" panose="05000000000000000000" pitchFamily="2" charset="2"/>
+              <a:buChar char="q"/>
+            </a:pPr>
+            <a:r>
+              <a:rPr lang="en-US" dirty="0" smtClean="0"/>
+              <a:t> Highest </a:t>
+            </a:r>
+            <a:r>
+              <a:rPr lang="en-US" dirty="0"/>
+              <a:t>rating Mouthfeel is body of beer</a:t>
+            </a:r>
+          </a:p>
+          <a:p>
+            <a:pPr fontAlgn="base">
+              <a:buClr>
+                <a:schemeClr val="tx1"/>
+              </a:buClr>
+              <a:buFont typeface="Wingdings" panose="05000000000000000000" pitchFamily="2" charset="2"/>
+              <a:buChar char="q"/>
+            </a:pPr>
+            <a:r>
+              <a:rPr lang="en-US" dirty="0" smtClean="0"/>
+              <a:t> Highest </a:t>
+            </a:r>
+            <a:r>
+              <a:rPr lang="en-US" dirty="0"/>
+              <a:t>rating Taste is sweet</a:t>
+            </a:r>
+          </a:p>
+          <a:p>
+            <a:pPr fontAlgn="base">
+              <a:buClr>
+                <a:schemeClr val="tx1"/>
+              </a:buClr>
+              <a:buFont typeface="Wingdings" panose="05000000000000000000" pitchFamily="2" charset="2"/>
+              <a:buChar char="q"/>
+            </a:pPr>
+            <a:r>
+              <a:rPr lang="en-US" dirty="0" smtClean="0"/>
+              <a:t> Highest </a:t>
+            </a:r>
+            <a:r>
+              <a:rPr lang="en-US" dirty="0"/>
+              <a:t>rating Flavor and Aroma is malty</a:t>
+            </a:r>
+            <a:endParaRPr lang="en-US" sz="1600" i="1" dirty="0"/>
+          </a:p>
+          <a:p>
+            <a:pPr marL="0" indent="0">
+              <a:buClr>
+                <a:schemeClr val="tx1"/>
+              </a:buClr>
+              <a:buNone/>
+            </a:pPr>
+            <a:endParaRPr lang="en-US" dirty="0" smtClean="0"/>
+          </a:p>
+          <a:p>
+            <a:pPr marL="0" indent="0">
+              <a:buClr>
+                <a:schemeClr val="tx1"/>
+              </a:buClr>
+              <a:buNone/>
+            </a:pPr>
+            <a:endParaRPr lang="en-US" dirty="0" smtClean="0"/>
+          </a:p>
+        </p:txBody>
+      </p:sp>
     </p:spTree>
     <p:extLst>
       <p:ext uri="{BB962C8B-B14F-4D97-AF65-F5344CB8AC3E}">
-        <p14:creationId xmlns:p14="http://schemas.microsoft.com/office/powerpoint/2010/main" val="959036321"/>
-      </p:ext>
-    </p:extLst>
-  </p:cSld>
-  <p:clrMapOvr>
-    <a:masterClrMapping/>
-  </p:clrMapOvr>
-  <p:timing>
-    <p:tnLst>
-      <p:par>
-        <p:cTn id="1" dur="indefinite" restart="never" nodeType="tmRoot"/>
-      </p:par>
-    </p:tnLst>
-  </p:timing>
-</p:sld>
-</file>
-
-<file path=ppt/slides/slide14.xml><?xml version="1.0" encoding="utf-8"?>
-<p:sld xmlns:a="http://schemas.openxmlformats.org/drawingml/2006/main" xmlns:r="http://schemas.openxmlformats.org/officeDocument/2006/relationships" xmlns:p="http://schemas.openxmlformats.org/presentationml/2006/main">
-  <p:cSld>
-    <p:spTree>
-      <p:nvGrpSpPr>
-        <p:cNvPr id="1" name=""/>
-        <p:cNvGrpSpPr/>
-        <p:nvPr/>
-      </p:nvGrpSpPr>
-      <p:grpSpPr>
-        <a:xfrm>
-          <a:off x="0" y="0"/>
-          <a:ext cx="0" cy="0"/>
-          <a:chOff x="0" y="0"/>
-          <a:chExt cx="0" cy="0"/>
-        </a:xfrm>
-      </p:grpSpPr>
-      <p:pic>
-        <p:nvPicPr>
-          <p:cNvPr id="7" name="Picture 6"/>
-          <p:cNvPicPr>
-            <a:picLocks noChangeAspect="1"/>
-          </p:cNvPicPr>
-          <p:nvPr/>
-        </p:nvPicPr>
-        <p:blipFill rotWithShape="1">
-          <a:blip r:embed="rId3">
-            <a:duotone>
-              <a:prstClr val="black"/>
-              <a:schemeClr val="accent1">
-                <a:tint val="45000"/>
-                <a:satMod val="400000"/>
-              </a:schemeClr>
-            </a:duotone>
-            <a:extLst>
-              <a:ext uri="{BEBA8EAE-BF5A-486C-A8C5-ECC9F3942E4B}">
-                <a14:imgProps xmlns:a14="http://schemas.microsoft.com/office/drawing/2010/main">
-                  <a14:imgLayer r:embed="rId4">
-                    <a14:imgEffect>
-                      <a14:sharpenSoften amount="9000"/>
-                    </a14:imgEffect>
-                    <a14:imgEffect>
-                      <a14:colorTemperature colorTemp="7200"/>
-                    </a14:imgEffect>
-                    <a14:imgEffect>
-                      <a14:brightnessContrast bright="-60000" contrast="60000"/>
-                    </a14:imgEffect>
-                  </a14:imgLayer>
-                </a14:imgProps>
-              </a:ext>
-              <a:ext uri="{28A0092B-C50C-407E-A947-70E740481C1C}">
-                <a14:useLocalDpi xmlns:a14="http://schemas.microsoft.com/office/drawing/2010/main" val="0"/>
-              </a:ext>
-            </a:extLst>
-          </a:blip>
-          <a:srcRect l="1950" r="1036"/>
-          <a:stretch/>
-        </p:blipFill>
-        <p:spPr>
-          <a:xfrm>
-            <a:off x="0" y="713182"/>
-            <a:ext cx="12187826" cy="6144818"/>
-          </a:xfrm>
-          <a:prstGeom prst="rect">
-            <a:avLst/>
-          </a:prstGeom>
-        </p:spPr>
-      </p:pic>
-      <p:sp>
-        <p:nvSpPr>
-          <p:cNvPr id="2" name="Title 1"/>
-          <p:cNvSpPr>
-            <a:spLocks noGrp="1"/>
-          </p:cNvSpPr>
-          <p:nvPr>
-            <p:ph type="title"/>
-          </p:nvPr>
-        </p:nvSpPr>
-        <p:spPr>
-          <a:xfrm>
-            <a:off x="1066800" y="0"/>
-            <a:ext cx="10058400" cy="999744"/>
-          </a:xfrm>
-        </p:spPr>
-        <p:txBody>
-          <a:bodyPr>
-            <a:normAutofit/>
-          </a:bodyPr>
-          <a:lstStyle/>
-          <a:p>
-            <a:pPr lvl="0" algn="ctr">
-              <a:spcBef>
-                <a:spcPts val="1200"/>
-              </a:spcBef>
-              <a:buClr>
-                <a:prstClr val="white"/>
-              </a:buClr>
-              <a:buSzPct val="85000"/>
-            </a:pPr>
-            <a:r>
-              <a:rPr lang="en-US" dirty="0" smtClean="0">
-                <a:solidFill>
-                  <a:schemeClr val="tx1"/>
-                </a:solidFill>
-              </a:rPr>
-              <a:t>Dashboard</a:t>
-            </a:r>
-            <a:endParaRPr lang="en-US" dirty="0">
-              <a:solidFill>
-                <a:schemeClr val="tx1"/>
-              </a:solidFill>
-            </a:endParaRPr>
-          </a:p>
-        </p:txBody>
-      </p:sp>
-      <p:pic>
-        <p:nvPicPr>
-          <p:cNvPr id="4" name="Picture 3"/>
-          <p:cNvPicPr>
-            <a:picLocks noChangeAspect="1"/>
-          </p:cNvPicPr>
-          <p:nvPr/>
-        </p:nvPicPr>
-        <p:blipFill rotWithShape="1">
-          <a:blip r:embed="rId5">
-            <a:extLst>
-              <a:ext uri="{28A0092B-C50C-407E-A947-70E740481C1C}">
-                <a14:useLocalDpi xmlns:a14="http://schemas.microsoft.com/office/drawing/2010/main" val="0"/>
-              </a:ext>
-            </a:extLst>
-          </a:blip>
-          <a:srcRect l="48907" r="442" b="59362"/>
-          <a:stretch/>
-        </p:blipFill>
-        <p:spPr>
-          <a:xfrm>
-            <a:off x="2708009" y="1125006"/>
-            <a:ext cx="6771808" cy="4951414"/>
-          </a:xfrm>
-          <a:prstGeom prst="rect">
-            <a:avLst/>
-          </a:prstGeom>
-        </p:spPr>
-      </p:pic>
-    </p:spTree>
-    <p:extLst>
-      <p:ext uri="{BB962C8B-B14F-4D97-AF65-F5344CB8AC3E}">
-        <p14:creationId xmlns:p14="http://schemas.microsoft.com/office/powerpoint/2010/main" val="736884132"/>
-      </p:ext>
-    </p:extLst>
-  </p:cSld>
-  <p:clrMapOvr>
-    <a:masterClrMapping/>
-  </p:clrMapOvr>
-  <p:timing>
-    <p:tnLst>
-      <p:par>
-        <p:cTn id="1" dur="indefinite" restart="never" nodeType="tmRoot"/>
-      </p:par>
-    </p:tnLst>
-  </p:timing>
-</p:sld>
-</file>
-
-<file path=ppt/slides/slide15.xml><?xml version="1.0" encoding="utf-8"?>
-<p:sld xmlns:a="http://schemas.openxmlformats.org/drawingml/2006/main" xmlns:r="http://schemas.openxmlformats.org/officeDocument/2006/relationships" xmlns:p="http://schemas.openxmlformats.org/presentationml/2006/main">
-  <p:cSld>
-    <p:spTree>
-      <p:nvGrpSpPr>
-        <p:cNvPr id="1" name=""/>
-        <p:cNvGrpSpPr/>
-        <p:nvPr/>
-      </p:nvGrpSpPr>
-      <p:grpSpPr>
-        <a:xfrm>
-          <a:off x="0" y="0"/>
-          <a:ext cx="0" cy="0"/>
-          <a:chOff x="0" y="0"/>
-          <a:chExt cx="0" cy="0"/>
-        </a:xfrm>
-      </p:grpSpPr>
-      <p:pic>
-        <p:nvPicPr>
-          <p:cNvPr id="7" name="Picture 6"/>
-          <p:cNvPicPr>
-            <a:picLocks noChangeAspect="1"/>
-          </p:cNvPicPr>
-          <p:nvPr/>
-        </p:nvPicPr>
-        <p:blipFill rotWithShape="1">
-          <a:blip r:embed="rId3">
-            <a:duotone>
-              <a:prstClr val="black"/>
-              <a:schemeClr val="accent1">
-                <a:tint val="45000"/>
-                <a:satMod val="400000"/>
-              </a:schemeClr>
-            </a:duotone>
-            <a:extLst>
-              <a:ext uri="{BEBA8EAE-BF5A-486C-A8C5-ECC9F3942E4B}">
-                <a14:imgProps xmlns:a14="http://schemas.microsoft.com/office/drawing/2010/main">
-                  <a14:imgLayer r:embed="rId4">
-                    <a14:imgEffect>
-                      <a14:sharpenSoften amount="9000"/>
-                    </a14:imgEffect>
-                    <a14:imgEffect>
-                      <a14:colorTemperature colorTemp="7200"/>
-                    </a14:imgEffect>
-                    <a14:imgEffect>
-                      <a14:brightnessContrast bright="-60000" contrast="60000"/>
-                    </a14:imgEffect>
-                  </a14:imgLayer>
-                </a14:imgProps>
-              </a:ext>
-              <a:ext uri="{28A0092B-C50C-407E-A947-70E740481C1C}">
-                <a14:useLocalDpi xmlns:a14="http://schemas.microsoft.com/office/drawing/2010/main" val="0"/>
-              </a:ext>
-            </a:extLst>
-          </a:blip>
-          <a:srcRect l="1950" r="1036"/>
-          <a:stretch/>
-        </p:blipFill>
-        <p:spPr>
-          <a:xfrm>
-            <a:off x="0" y="713182"/>
-            <a:ext cx="12187826" cy="6144818"/>
-          </a:xfrm>
-          <a:prstGeom prst="rect">
-            <a:avLst/>
-          </a:prstGeom>
-        </p:spPr>
-      </p:pic>
-      <p:sp>
-        <p:nvSpPr>
-          <p:cNvPr id="2" name="Title 1"/>
-          <p:cNvSpPr>
-            <a:spLocks noGrp="1"/>
-          </p:cNvSpPr>
-          <p:nvPr>
-            <p:ph type="title"/>
-          </p:nvPr>
-        </p:nvSpPr>
-        <p:spPr>
-          <a:xfrm>
-            <a:off x="1066800" y="0"/>
-            <a:ext cx="10058400" cy="999744"/>
-          </a:xfrm>
-        </p:spPr>
-        <p:txBody>
-          <a:bodyPr>
-            <a:normAutofit/>
-          </a:bodyPr>
-          <a:lstStyle/>
-          <a:p>
-            <a:pPr lvl="0" algn="ctr">
-              <a:spcBef>
-                <a:spcPts val="1200"/>
-              </a:spcBef>
-              <a:buClr>
-                <a:prstClr val="white"/>
-              </a:buClr>
-              <a:buSzPct val="85000"/>
-            </a:pPr>
-            <a:r>
-              <a:rPr lang="en-US" dirty="0" smtClean="0">
-                <a:solidFill>
-                  <a:schemeClr val="tx1"/>
-                </a:solidFill>
-              </a:rPr>
-              <a:t>Dashboard</a:t>
-            </a:r>
-            <a:endParaRPr lang="en-US" dirty="0">
-              <a:solidFill>
-                <a:schemeClr val="tx1"/>
-              </a:solidFill>
-            </a:endParaRPr>
-          </a:p>
-        </p:txBody>
-      </p:sp>
-      <p:pic>
-        <p:nvPicPr>
-          <p:cNvPr id="4" name="Picture 3"/>
-          <p:cNvPicPr>
-            <a:picLocks noChangeAspect="1"/>
-          </p:cNvPicPr>
-          <p:nvPr/>
-        </p:nvPicPr>
-        <p:blipFill rotWithShape="1">
-          <a:blip r:embed="rId5">
-            <a:extLst>
-              <a:ext uri="{28A0092B-C50C-407E-A947-70E740481C1C}">
-                <a14:useLocalDpi xmlns:a14="http://schemas.microsoft.com/office/drawing/2010/main" val="0"/>
-              </a:ext>
-            </a:extLst>
-          </a:blip>
-          <a:srcRect l="-93" t="40423" r="529" b="291"/>
-          <a:stretch/>
-        </p:blipFill>
-        <p:spPr>
-          <a:xfrm>
-            <a:off x="1442581" y="1112477"/>
-            <a:ext cx="9306838" cy="5050327"/>
-          </a:xfrm>
-          <a:prstGeom prst="rect">
-            <a:avLst/>
-          </a:prstGeom>
-        </p:spPr>
-      </p:pic>
-    </p:spTree>
-    <p:extLst>
-      <p:ext uri="{BB962C8B-B14F-4D97-AF65-F5344CB8AC3E}">
-        <p14:creationId xmlns:p14="http://schemas.microsoft.com/office/powerpoint/2010/main" val="3876986852"/>
+        <p14:creationId xmlns:p14="http://schemas.microsoft.com/office/powerpoint/2010/main" val="1817059906"/>
       </p:ext>
     </p:extLst>
   </p:cSld>
@@ -7087,11 +6678,11 @@
             </a:r>
             <a:r>
               <a:rPr lang="en-US" dirty="0" err="1" smtClean="0"/>
-              <a:t>Oktober</a:t>
+              <a:t>OktoberFest</a:t>
             </a:r>
             <a:r>
               <a:rPr lang="en-US" dirty="0" smtClean="0"/>
-              <a:t> Fest!</a:t>
+              <a:t>!</a:t>
             </a:r>
           </a:p>
           <a:p>
@@ -7706,21 +7297,8 @@
                             <a:schemeClr val="bg1"/>
                           </a:solidFill>
                         </a:rPr>
-                        <a:t>Key</a:t>
+                        <a:t>Key TEXT</a:t>
                       </a:r>
-                      <a:r>
-                        <a:rPr lang="en-US" sz="1200" dirty="0" smtClean="0">
-                          <a:solidFill>
-                            <a:schemeClr val="bg1"/>
-                          </a:solidFill>
-                        </a:rPr>
-                        <a:t> TEXT</a:t>
-                      </a:r>
-                      <a:endParaRPr lang="en-US" sz="1200" dirty="0" smtClean="0">
-                        <a:solidFill>
-                          <a:schemeClr val="bg1"/>
-                        </a:solidFill>
-                      </a:endParaRPr>
                     </a:p>
                   </a:txBody>
                   <a:tcPr/>
@@ -7744,15 +7322,7 @@
                             <a:schemeClr val="bg1"/>
                           </a:solidFill>
                         </a:rPr>
-                        <a:t>Style</a:t>
-                      </a:r>
-                      <a:r>
-                        <a:rPr lang="en-US" sz="1200" dirty="0" smtClean="0">
-                          <a:solidFill>
-                            <a:schemeClr val="bg1"/>
-                          </a:solidFill>
-                        </a:rPr>
-                        <a:t> TEXT</a:t>
+                        <a:t>Style TEXT</a:t>
                       </a:r>
                       <a:endParaRPr lang="en-US" sz="1200" dirty="0">
                         <a:solidFill>
@@ -7828,15 +7398,7 @@
                             <a:schemeClr val="bg1"/>
                           </a:solidFill>
                         </a:rPr>
-                        <a:t>Brewery</a:t>
-                      </a:r>
-                      <a:r>
-                        <a:rPr lang="en-US" sz="1200" dirty="0" smtClean="0">
-                          <a:solidFill>
-                            <a:schemeClr val="bg1"/>
-                          </a:solidFill>
-                        </a:rPr>
-                        <a:t> TEXT</a:t>
+                        <a:t>Brewery TEXT</a:t>
                       </a:r>
                       <a:endParaRPr lang="en-US" sz="1200" dirty="0">
                         <a:solidFill>
@@ -7866,15 +7428,7 @@
                             <a:schemeClr val="bg1"/>
                           </a:solidFill>
                         </a:rPr>
-                        <a:t>Description</a:t>
-                      </a:r>
-                      <a:r>
-                        <a:rPr lang="en-US" sz="1200" dirty="0" smtClean="0">
-                          <a:solidFill>
-                            <a:schemeClr val="bg1"/>
-                          </a:solidFill>
-                        </a:rPr>
-                        <a:t> TEXT</a:t>
+                        <a:t>Description TEXT</a:t>
                       </a:r>
                       <a:endParaRPr lang="en-US" sz="1200" dirty="0">
                         <a:solidFill>
@@ -7950,15 +7504,7 @@
                             <a:schemeClr val="bg1"/>
                           </a:solidFill>
                         </a:rPr>
-                        <a:t>Ave Rating</a:t>
-                      </a:r>
-                      <a:r>
-                        <a:rPr lang="en-US" sz="1200" dirty="0" smtClean="0">
-                          <a:solidFill>
-                            <a:schemeClr val="bg1"/>
-                          </a:solidFill>
-                        </a:rPr>
-                        <a:t> TEXT</a:t>
+                        <a:t>Ave Rating TEXT</a:t>
                       </a:r>
                       <a:endParaRPr lang="en-US" sz="1200" dirty="0">
                         <a:solidFill>
@@ -7988,15 +7534,7 @@
                             <a:schemeClr val="bg1"/>
                           </a:solidFill>
                         </a:rPr>
-                        <a:t>Min IBU</a:t>
-                      </a:r>
-                      <a:r>
-                        <a:rPr lang="en-US" sz="1200" dirty="0" smtClean="0">
-                          <a:solidFill>
-                            <a:schemeClr val="bg1"/>
-                          </a:solidFill>
-                        </a:rPr>
-                        <a:t> TEXT</a:t>
+                        <a:t>Min IBU TEXT</a:t>
                       </a:r>
                       <a:endParaRPr lang="en-US" sz="1200" dirty="0">
                         <a:solidFill>
@@ -8026,15 +7564,7 @@
                             <a:schemeClr val="bg1"/>
                           </a:solidFill>
                         </a:rPr>
-                        <a:t>Max IBU</a:t>
-                      </a:r>
-                      <a:r>
-                        <a:rPr lang="en-US" sz="1200" dirty="0" smtClean="0">
-                          <a:solidFill>
-                            <a:schemeClr val="bg1"/>
-                          </a:solidFill>
-                        </a:rPr>
-                        <a:t> TEXT</a:t>
+                        <a:t>Max IBU TEXT</a:t>
                       </a:r>
                       <a:endParaRPr lang="en-US" sz="1200" dirty="0">
                         <a:solidFill>
@@ -8064,15 +7594,7 @@
                             <a:schemeClr val="bg1"/>
                           </a:solidFill>
                         </a:rPr>
-                        <a:t>Astringency</a:t>
-                      </a:r>
-                      <a:r>
-                        <a:rPr lang="en-US" sz="1200" dirty="0" smtClean="0">
-                          <a:solidFill>
-                            <a:schemeClr val="bg1"/>
-                          </a:solidFill>
-                        </a:rPr>
-                        <a:t> TEXT</a:t>
+                        <a:t>Astringency TEXT</a:t>
                       </a:r>
                       <a:endParaRPr lang="en-US" sz="1200" dirty="0">
                         <a:solidFill>
@@ -8102,15 +7624,7 @@
                             <a:schemeClr val="bg1"/>
                           </a:solidFill>
                         </a:rPr>
-                        <a:t>Body</a:t>
-                      </a:r>
-                      <a:r>
-                        <a:rPr lang="en-US" sz="1200" dirty="0" smtClean="0">
-                          <a:solidFill>
-                            <a:schemeClr val="bg1"/>
-                          </a:solidFill>
-                        </a:rPr>
-                        <a:t> TEXT</a:t>
+                        <a:t>Body TEXT</a:t>
                       </a:r>
                       <a:endParaRPr lang="en-US" sz="1200" dirty="0">
                         <a:solidFill>
@@ -8140,15 +7654,7 @@
                             <a:schemeClr val="bg1"/>
                           </a:solidFill>
                         </a:rPr>
-                        <a:t>Alcohol</a:t>
-                      </a:r>
-                      <a:r>
-                        <a:rPr lang="en-US" sz="1200" dirty="0" smtClean="0">
-                          <a:solidFill>
-                            <a:schemeClr val="bg1"/>
-                          </a:solidFill>
-                        </a:rPr>
-                        <a:t> TEXT</a:t>
+                        <a:t>Alcohol TEXT</a:t>
                       </a:r>
                       <a:endParaRPr lang="en-US" sz="1200" dirty="0">
                         <a:solidFill>
@@ -8178,15 +7684,7 @@
                             <a:schemeClr val="bg1"/>
                           </a:solidFill>
                         </a:rPr>
-                        <a:t>Bitter</a:t>
-                      </a:r>
-                      <a:r>
-                        <a:rPr lang="en-US" sz="1200" dirty="0" smtClean="0">
-                          <a:solidFill>
-                            <a:schemeClr val="bg1"/>
-                          </a:solidFill>
-                        </a:rPr>
-                        <a:t> TEXT</a:t>
+                        <a:t>Bitter TEXT</a:t>
                       </a:r>
                       <a:endParaRPr lang="en-US" sz="1200" dirty="0">
                         <a:solidFill>
@@ -8216,15 +7714,7 @@
                             <a:schemeClr val="bg1"/>
                           </a:solidFill>
                         </a:rPr>
-                        <a:t>Sweet</a:t>
-                      </a:r>
-                      <a:r>
-                        <a:rPr lang="en-US" sz="1200" dirty="0" smtClean="0">
-                          <a:solidFill>
-                            <a:schemeClr val="bg1"/>
-                          </a:solidFill>
-                        </a:rPr>
-                        <a:t> TEXT</a:t>
+                        <a:t>Sweet TEXT</a:t>
                       </a:r>
                       <a:endParaRPr lang="en-US" sz="1200" dirty="0">
                         <a:solidFill>
@@ -8254,15 +7744,7 @@
                             <a:schemeClr val="bg1"/>
                           </a:solidFill>
                         </a:rPr>
-                        <a:t>Sour</a:t>
-                      </a:r>
-                      <a:r>
-                        <a:rPr lang="en-US" sz="1200" dirty="0" smtClean="0">
-                          <a:solidFill>
-                            <a:schemeClr val="bg1"/>
-                          </a:solidFill>
-                        </a:rPr>
-                        <a:t> TEXT</a:t>
+                        <a:t>Sour TEXT</a:t>
                       </a:r>
                       <a:endParaRPr lang="en-US" sz="1200" dirty="0">
                         <a:solidFill>
@@ -8292,15 +7774,7 @@
                             <a:schemeClr val="bg1"/>
                           </a:solidFill>
                         </a:rPr>
-                        <a:t>Salty</a:t>
-                      </a:r>
-                      <a:r>
-                        <a:rPr lang="en-US" sz="1200" dirty="0" smtClean="0">
-                          <a:solidFill>
-                            <a:schemeClr val="bg1"/>
-                          </a:solidFill>
-                        </a:rPr>
-                        <a:t> TEXT</a:t>
+                        <a:t>Salty TEXT</a:t>
                       </a:r>
                       <a:endParaRPr lang="en-US" sz="1200" dirty="0">
                         <a:solidFill>
@@ -8330,15 +7804,7 @@
                             <a:schemeClr val="bg1"/>
                           </a:solidFill>
                         </a:rPr>
-                        <a:t>Fruity</a:t>
-                      </a:r>
-                      <a:r>
-                        <a:rPr lang="en-US" sz="1200" dirty="0" smtClean="0">
-                          <a:solidFill>
-                            <a:schemeClr val="bg1"/>
-                          </a:solidFill>
-                        </a:rPr>
-                        <a:t> TEXT</a:t>
+                        <a:t>Fruity TEXT</a:t>
                       </a:r>
                       <a:endParaRPr lang="en-US" sz="1200" dirty="0">
                         <a:solidFill>
@@ -8368,15 +7834,7 @@
                             <a:schemeClr val="bg1"/>
                           </a:solidFill>
                         </a:rPr>
-                        <a:t>Hoppy</a:t>
-                      </a:r>
-                      <a:r>
-                        <a:rPr lang="en-US" sz="1200" dirty="0" smtClean="0">
-                          <a:solidFill>
-                            <a:schemeClr val="bg1"/>
-                          </a:solidFill>
-                        </a:rPr>
-                        <a:t> TEXT</a:t>
+                        <a:t>Hoppy TEXT</a:t>
                       </a:r>
                       <a:endParaRPr lang="en-US" sz="1200" dirty="0">
                         <a:solidFill>
@@ -8406,15 +7864,7 @@
                             <a:schemeClr val="bg1"/>
                           </a:solidFill>
                         </a:rPr>
-                        <a:t>Spices</a:t>
-                      </a:r>
-                      <a:r>
-                        <a:rPr lang="en-US" sz="1200" dirty="0" smtClean="0">
-                          <a:solidFill>
-                            <a:schemeClr val="bg1"/>
-                          </a:solidFill>
-                        </a:rPr>
-                        <a:t> TEXT</a:t>
+                        <a:t>Spices TEXT</a:t>
                       </a:r>
                       <a:endParaRPr lang="en-US" sz="1200" dirty="0">
                         <a:solidFill>
@@ -8444,15 +7894,7 @@
                             <a:schemeClr val="bg1"/>
                           </a:solidFill>
                         </a:rPr>
-                        <a:t>Malty</a:t>
-                      </a:r>
-                      <a:r>
-                        <a:rPr lang="en-US" sz="1200" dirty="0" smtClean="0">
-                          <a:solidFill>
-                            <a:schemeClr val="bg1"/>
-                          </a:solidFill>
-                        </a:rPr>
-                        <a:t> TEXT</a:t>
+                        <a:t>Malty TEXT</a:t>
                       </a:r>
                       <a:endParaRPr lang="en-US" sz="1200" dirty="0">
                         <a:solidFill>
